--- a/reprex/alttext.pptx
+++ b/reprex/alttext.pptx
@@ -3335,7 +3335,7 @@
               <a:rPr>
                 <a:latin typeface="Courier"/>
               </a:rPr>
-              <a:t>![look a puffin](https://upload.wikimedia.org/wikipedia/commons/9/94/Puffin_Mrkoww.jpg "Title: A proper puffin"){fig.alt="alt text: it is a very cute puffin."}</a:t>
+              <a:t>![look a puffin](https://upload.wikimedia.org/wikipedia/commons/9/94/Puffin_Mrkoww.jpg "Is this alt text?: A proper puffin")</a:t>
             </a:r>
           </a:p>
         </p:txBody>
@@ -3378,8 +3378,8 @@
         </p:blipFill>
         <p:spPr bwMode="auto">
           <a:xfrm>
-            <a:off x="1892300" y="1600200"/>
-            <a:ext cx="5359400" cy="4013200"/>
+            <a:off x="1562100" y="1600200"/>
+            <a:ext cx="6019800" cy="4013200"/>
           </a:xfrm>
           <a:prstGeom prst="rect">
             <a:avLst/>
@@ -3571,7 +3571,7 @@
               <a:rPr>
                 <a:latin typeface="Courier"/>
               </a:rPr>
-              <a:t>![look a puffin](../images/Puffin_Mrkoww.jpg "Title: A proper puffin"){fig.alt="alt text: it is a very cute puffin."}</a:t>
+              <a:t>![look a puffin](../images/Puffin_Mrkoww.jpg "Is this alt text?: A proper puffin")</a:t>
             </a:r>
           </a:p>
         </p:txBody>
